--- a/foundingmetro/docs/지하철길찾기 스토리보드.pptx
+++ b/foundingmetro/docs/지하철길찾기 스토리보드.pptx
@@ -105,6 +105,11 @@
       </a:defRPr>
     </a:lvl9pPr>
   </p:defaultTextStyle>
+  <p:extLst>
+    <p:ext uri="{EFAFB233-063F-42B5-8137-9DF3F51BA10A}">
+      <p15:sldGuideLst xmlns:p15="http://schemas.microsoft.com/office/powerpoint/2012/main"/>
+    </p:ext>
+  </p:extLst>
 </p:presentation>
 </file>
 
@@ -255,7 +260,7 @@
           <a:p>
             <a:fld id="{F76FFECC-D617-44AE-AB37-52ED788B148D}" type="datetimeFigureOut">
               <a:rPr lang="ko-KR" altLang="en-US" smtClean="0"/>
-              <a:t>2021-10-31</a:t>
+              <a:t>2021-11-01</a:t>
             </a:fld>
             <a:endParaRPr lang="ko-KR" altLang="en-US"/>
           </a:p>
@@ -453,7 +458,7 @@
           <a:p>
             <a:fld id="{F76FFECC-D617-44AE-AB37-52ED788B148D}" type="datetimeFigureOut">
               <a:rPr lang="ko-KR" altLang="en-US" smtClean="0"/>
-              <a:t>2021-10-31</a:t>
+              <a:t>2021-11-01</a:t>
             </a:fld>
             <a:endParaRPr lang="ko-KR" altLang="en-US"/>
           </a:p>
@@ -661,7 +666,7 @@
           <a:p>
             <a:fld id="{F76FFECC-D617-44AE-AB37-52ED788B148D}" type="datetimeFigureOut">
               <a:rPr lang="ko-KR" altLang="en-US" smtClean="0"/>
-              <a:t>2021-10-31</a:t>
+              <a:t>2021-11-01</a:t>
             </a:fld>
             <a:endParaRPr lang="ko-KR" altLang="en-US"/>
           </a:p>
@@ -859,7 +864,7 @@
           <a:p>
             <a:fld id="{F76FFECC-D617-44AE-AB37-52ED788B148D}" type="datetimeFigureOut">
               <a:rPr lang="ko-KR" altLang="en-US" smtClean="0"/>
-              <a:t>2021-10-31</a:t>
+              <a:t>2021-11-01</a:t>
             </a:fld>
             <a:endParaRPr lang="ko-KR" altLang="en-US"/>
           </a:p>
@@ -1134,7 +1139,7 @@
           <a:p>
             <a:fld id="{F76FFECC-D617-44AE-AB37-52ED788B148D}" type="datetimeFigureOut">
               <a:rPr lang="ko-KR" altLang="en-US" smtClean="0"/>
-              <a:t>2021-10-31</a:t>
+              <a:t>2021-11-01</a:t>
             </a:fld>
             <a:endParaRPr lang="ko-KR" altLang="en-US"/>
           </a:p>
@@ -1399,7 +1404,7 @@
           <a:p>
             <a:fld id="{F76FFECC-D617-44AE-AB37-52ED788B148D}" type="datetimeFigureOut">
               <a:rPr lang="ko-KR" altLang="en-US" smtClean="0"/>
-              <a:t>2021-10-31</a:t>
+              <a:t>2021-11-01</a:t>
             </a:fld>
             <a:endParaRPr lang="ko-KR" altLang="en-US"/>
           </a:p>
@@ -1811,7 +1816,7 @@
           <a:p>
             <a:fld id="{F76FFECC-D617-44AE-AB37-52ED788B148D}" type="datetimeFigureOut">
               <a:rPr lang="ko-KR" altLang="en-US" smtClean="0"/>
-              <a:t>2021-10-31</a:t>
+              <a:t>2021-11-01</a:t>
             </a:fld>
             <a:endParaRPr lang="ko-KR" altLang="en-US"/>
           </a:p>
@@ -1952,7 +1957,7 @@
           <a:p>
             <a:fld id="{F76FFECC-D617-44AE-AB37-52ED788B148D}" type="datetimeFigureOut">
               <a:rPr lang="ko-KR" altLang="en-US" smtClean="0"/>
-              <a:t>2021-10-31</a:t>
+              <a:t>2021-11-01</a:t>
             </a:fld>
             <a:endParaRPr lang="ko-KR" altLang="en-US"/>
           </a:p>
@@ -2065,7 +2070,7 @@
           <a:p>
             <a:fld id="{F76FFECC-D617-44AE-AB37-52ED788B148D}" type="datetimeFigureOut">
               <a:rPr lang="ko-KR" altLang="en-US" smtClean="0"/>
-              <a:t>2021-10-31</a:t>
+              <a:t>2021-11-01</a:t>
             </a:fld>
             <a:endParaRPr lang="ko-KR" altLang="en-US"/>
           </a:p>
@@ -2376,7 +2381,7 @@
           <a:p>
             <a:fld id="{F76FFECC-D617-44AE-AB37-52ED788B148D}" type="datetimeFigureOut">
               <a:rPr lang="ko-KR" altLang="en-US" smtClean="0"/>
-              <a:t>2021-10-31</a:t>
+              <a:t>2021-11-01</a:t>
             </a:fld>
             <a:endParaRPr lang="ko-KR" altLang="en-US"/>
           </a:p>
@@ -2664,7 +2669,7 @@
           <a:p>
             <a:fld id="{F76FFECC-D617-44AE-AB37-52ED788B148D}" type="datetimeFigureOut">
               <a:rPr lang="ko-KR" altLang="en-US" smtClean="0"/>
-              <a:t>2021-10-31</a:t>
+              <a:t>2021-11-01</a:t>
             </a:fld>
             <a:endParaRPr lang="ko-KR" altLang="en-US"/>
           </a:p>
@@ -2905,7 +2910,7 @@
           <a:p>
             <a:fld id="{F76FFECC-D617-44AE-AB37-52ED788B148D}" type="datetimeFigureOut">
               <a:rPr lang="ko-KR" altLang="en-US" smtClean="0"/>
-              <a:t>2021-10-31</a:t>
+              <a:t>2021-11-01</a:t>
             </a:fld>
             <a:endParaRPr lang="ko-KR" altLang="en-US"/>
           </a:p>
@@ -3687,13 +3692,17 @@
               </a:ext>
             </a:extLst>
           </p:cNvPr>
-          <p:cNvCxnSpPr/>
+          <p:cNvCxnSpPr>
+            <a:cxnSpLocks/>
+            <a:stCxn id="17" idx="6"/>
+            <a:endCxn id="7" idx="3"/>
+          </p:cNvCxnSpPr>
           <p:nvPr/>
         </p:nvCxnSpPr>
         <p:spPr>
           <a:xfrm flipV="1">
-            <a:off x="3414319" y="2338087"/>
-            <a:ext cx="2197916" cy="655667"/>
+            <a:off x="3451982" y="2338088"/>
+            <a:ext cx="1098958" cy="862288"/>
           </a:xfrm>
           <a:prstGeom prst="straightConnector1">
             <a:avLst/>
@@ -3731,7 +3740,7 @@
         </p:nvSpPr>
         <p:spPr>
           <a:xfrm>
-            <a:off x="2306973" y="3040486"/>
+            <a:off x="1879046" y="3018763"/>
             <a:ext cx="1420582" cy="369332"/>
           </a:xfrm>
           <a:prstGeom prst="rect">
@@ -3770,7 +3779,7 @@
         </p:nvSpPr>
         <p:spPr>
           <a:xfrm>
-            <a:off x="2084665" y="2957288"/>
+            <a:off x="1656738" y="2935565"/>
             <a:ext cx="1795244" cy="529622"/>
           </a:xfrm>
           <a:prstGeom prst="ellipse">
@@ -3819,13 +3828,14 @@
           </p:cNvPr>
           <p:cNvCxnSpPr>
             <a:cxnSpLocks/>
+            <a:endCxn id="9" idx="1"/>
           </p:cNvCxnSpPr>
           <p:nvPr/>
         </p:nvCxnSpPr>
         <p:spPr>
           <a:xfrm flipV="1">
-            <a:off x="3779153" y="3285122"/>
-            <a:ext cx="1833082" cy="1478241"/>
+            <a:off x="3779153" y="3222101"/>
+            <a:ext cx="771787" cy="1541264"/>
           </a:xfrm>
           <a:prstGeom prst="straightConnector1">
             <a:avLst/>
